--- a/Newark_script_01a.pptx
+++ b/Newark_script_01a.pptx
@@ -4422,12 +4422,8 @@
             </a:pPr>
             <a:r>
               <a:rPr lang="en-US" sz="1600" dirty="0"/>
-              <a:t>whilst JFK has higher passenger numbers, Newark still has more delays in % terms</a:t>
-            </a:r>
-            <a:br>
-              <a:rPr lang="en-US" sz="1600" dirty="0"/>
-            </a:br>
-            <a:endParaRPr lang="en-GB" sz="1600" dirty="0"/>
+              <a:t>Newark are much higher in Jan 2017 and appear to be higher leading in to Christmas 2017 too</a:t>
+            </a:r>
           </a:p>
         </p:txBody>
       </p:sp>
@@ -4630,7 +4626,7 @@
             </a:pPr>
             <a:r>
               <a:rPr lang="en-US" sz="1600" dirty="0"/>
-              <a:t>in the latter half of 2017, Newark unfortunately saw their average departure delay exceed that of JFK and La Guardia even though the percentage of flights they saw delayed trended in line with the other NYC airports (see first graph). </a:t>
+              <a:t>in the latter half of 2017, Newark unfortunately saw their average departure delay exceed that of JFK and La Guardia</a:t>
             </a:r>
             <a:endParaRPr lang="en-GB" sz="1600" dirty="0"/>
           </a:p>
@@ -4839,7 +4835,7 @@
             </a:pPr>
             <a:r>
               <a:rPr lang="en-GB" sz="1600" dirty="0"/>
-              <a:t>Newark delay statistics do not compare favourably with JFK</a:t>
+              <a:t>Newark delay statistics trend in line with the other NYC airports</a:t>
             </a:r>
           </a:p>
           <a:p>

--- a/Newark_script_01a.pptx
+++ b/Newark_script_01a.pptx
@@ -4845,20 +4845,6 @@
             </a:pPr>
             <a:endParaRPr lang="en-GB" sz="1600" dirty="0"/>
           </a:p>
-          <a:p>
-            <a:pPr marL="285750" indent="-285750" algn="l">
-              <a:buFont typeface="Arial" panose="020B0604020202020204" pitchFamily="34" charset="0"/>
-              <a:buChar char="•"/>
-            </a:pPr>
-            <a:r>
-              <a:rPr lang="en-GB" sz="1600" dirty="0"/>
-              <a:t>Larger sample size and greater access to data for further models to be developed. </a:t>
-            </a:r>
-          </a:p>
-          <a:p>
-            <a:pPr algn="l"/>
-            <a:endParaRPr lang="en-GB" sz="1600" dirty="0"/>
-          </a:p>
         </p:txBody>
       </p:sp>
       <p:sp>
@@ -5198,54 +5184,6 @@
               <a:rPr lang="en-GB" sz="1600" dirty="0"/>
               <a:t>Delays have a business implications</a:t>
             </a:r>
-          </a:p>
-          <a:p>
-            <a:pPr marL="742950" lvl="1" indent="-285750" algn="l">
-              <a:buFont typeface="Arial" panose="020B0604020202020204" pitchFamily="34" charset="0"/>
-              <a:buChar char="•"/>
-            </a:pPr>
-            <a:r>
-              <a:rPr lang="en-GB" sz="1200" dirty="0"/>
-              <a:t>Delays may result in passengers (and cargo planes) choosing to fly from other airports </a:t>
-            </a:r>
-          </a:p>
-          <a:p>
-            <a:pPr marL="742950" lvl="1" indent="-285750" algn="l">
-              <a:buFont typeface="Arial" panose="020B0604020202020204" pitchFamily="34" charset="0"/>
-              <a:buChar char="•"/>
-            </a:pPr>
-            <a:r>
-              <a:rPr lang="en-GB" sz="1200" dirty="0"/>
-              <a:t>Risk of reputational damage is high - passengers can broadcast their grievances through social media to the world</a:t>
-            </a:r>
-          </a:p>
-          <a:p>
-            <a:pPr marL="742950" lvl="1" indent="-285750" algn="l">
-              <a:buFont typeface="Arial" panose="020B0604020202020204" pitchFamily="34" charset="0"/>
-              <a:buChar char="•"/>
-            </a:pPr>
-            <a:r>
-              <a:rPr lang="en-GB" sz="1200" dirty="0"/>
-              <a:t>Endemic delays may see a permanent shift of business to other airports</a:t>
-            </a:r>
-          </a:p>
-          <a:p>
-            <a:pPr lvl="1" algn="l"/>
-            <a:endParaRPr lang="en-GB" sz="1200" dirty="0"/>
-          </a:p>
-          <a:p>
-            <a:pPr lvl="1" algn="l"/>
-            <a:endParaRPr lang="en-GB" sz="1200" dirty="0"/>
-          </a:p>
-          <a:p>
-            <a:pPr marL="285750" indent="-285750" algn="l">
-              <a:buFont typeface="Arial" panose="020B0604020202020204" pitchFamily="34" charset="0"/>
-              <a:buChar char="•"/>
-            </a:pPr>
-            <a:r>
-              <a:rPr lang="en-GB" sz="1600" dirty="0"/>
-              <a:t>Principally they fear that poor weather is causing too many delays</a:t>
-            </a:r>
             <a:br>
               <a:rPr lang="en-GB" sz="1600" dirty="0"/>
             </a:br>
@@ -5258,12 +5196,52 @@
             </a:pPr>
             <a:r>
               <a:rPr lang="en-GB" sz="1600" dirty="0"/>
-              <a:t>If weather is to blame they are willing to invest in facilities to limit the effects of bad weather</a:t>
-            </a:r>
-          </a:p>
-          <a:p>
-            <a:pPr algn="l"/>
-            <a:endParaRPr lang="en-GB" sz="1600" dirty="0"/>
+              <a:t>Delays may result in passengers choosing to fly </a:t>
+            </a:r>
+            <a:r>
+              <a:rPr lang="en-GB" sz="1600" b="1" dirty="0"/>
+              <a:t>from other airports </a:t>
+            </a:r>
+          </a:p>
+          <a:p>
+            <a:pPr marL="285750" indent="-285750" algn="l">
+              <a:buFont typeface="Arial" panose="020B0604020202020204" pitchFamily="34" charset="0"/>
+              <a:buChar char="•"/>
+            </a:pPr>
+            <a:r>
+              <a:rPr lang="en-GB" sz="1600" dirty="0"/>
+              <a:t>Risk of reputational damage - passengers can broadcast their </a:t>
+            </a:r>
+            <a:r>
+              <a:rPr lang="en-GB" sz="1600" b="1" dirty="0"/>
+              <a:t>grievances</a:t>
+            </a:r>
+            <a:r>
+              <a:rPr lang="en-GB" sz="1600" dirty="0"/>
+              <a:t> through social media to the world</a:t>
+            </a:r>
+          </a:p>
+          <a:p>
+            <a:pPr marL="285750" indent="-285750" algn="l">
+              <a:buFont typeface="Arial" panose="020B0604020202020204" pitchFamily="34" charset="0"/>
+              <a:buChar char="•"/>
+            </a:pPr>
+            <a:r>
+              <a:rPr lang="en-GB" sz="1600" b="1" dirty="0"/>
+              <a:t>Endemic</a:t>
+            </a:r>
+            <a:r>
+              <a:rPr lang="en-GB" sz="1600" dirty="0"/>
+              <a:t> delays may see a permanent shift of business to other airports</a:t>
+            </a:r>
+          </a:p>
+          <a:p>
+            <a:pPr lvl="1" algn="l"/>
+            <a:endParaRPr lang="en-GB" sz="1200" dirty="0"/>
+          </a:p>
+          <a:p>
+            <a:pPr lvl="1" algn="l"/>
+            <a:endParaRPr lang="en-GB" sz="1200" dirty="0"/>
           </a:p>
           <a:p>
             <a:pPr marL="285750" indent="-285750" algn="l">
@@ -5603,7 +5581,7 @@
             </a:r>
             <a:r>
               <a:rPr lang="en-GB" sz="1600" b="1" dirty="0"/>
-              <a:t>delay time</a:t>
+              <a:t>departure 	delay</a:t>
             </a:r>
             <a:br>
               <a:rPr lang="en-GB" sz="1600" b="1" dirty="0"/>
@@ -5876,7 +5854,19 @@
             </a:r>
             <a:r>
               <a:rPr lang="en-US" sz="1600" dirty="0"/>
-              <a:t>uses many inputs to predict a category of outcome rather than a value</a:t>
+              <a:t>uses many inputs to predict a category of </a:t>
+            </a:r>
+            <a:r>
+              <a:rPr lang="en-US" sz="1600" u="sng" dirty="0"/>
+              <a:t>outcome</a:t>
+            </a:r>
+            <a:r>
+              <a:rPr lang="en-US" sz="1600" dirty="0"/>
+              <a:t> rather than a </a:t>
+            </a:r>
+            <a:r>
+              <a:rPr lang="en-US" sz="1600" u="sng" dirty="0"/>
+              <a:t>value</a:t>
             </a:r>
           </a:p>
           <a:p>
